--- a/02. Git Introduction/Presentation/Introduction.pptx
+++ b/02. Git Introduction/Presentation/Introduction.pptx
@@ -204,7 +204,7 @@
           <a:p>
             <a:fld id="{7387BF4C-1AC5-8047-9CB7-F6FE835C9ED7}" type="datetimeFigureOut">
               <a:rPr lang="en-US" smtClean="0"/>
-              <a:t>7/16/23</a:t>
+              <a:t>9/3/23</a:t>
             </a:fld>
             <a:endParaRPr lang="en-US"/>
           </a:p>
@@ -706,7 +706,7 @@
           <a:p>
             <a:fld id="{490E0566-2D9A-8349-94CE-22DF369B8F30}" type="datetime1">
               <a:rPr lang="en-US" smtClean="0"/>
-              <a:t>7/16/23</a:t>
+              <a:t>9/3/23</a:t>
             </a:fld>
             <a:endParaRPr lang="en-US"/>
           </a:p>
@@ -907,7 +907,7 @@
           <a:p>
             <a:fld id="{77D82A1C-DCCB-F942-B4C8-2616E50FC610}" type="datetime1">
               <a:rPr lang="en-US" smtClean="0"/>
-              <a:t>7/16/23</a:t>
+              <a:t>9/3/23</a:t>
             </a:fld>
             <a:endParaRPr lang="en-US"/>
           </a:p>
@@ -1118,7 +1118,7 @@
           <a:p>
             <a:fld id="{047ECBFF-73A1-A944-AFD4-F359C9557B10}" type="datetime1">
               <a:rPr lang="en-US" smtClean="0"/>
-              <a:t>7/16/23</a:t>
+              <a:t>9/3/23</a:t>
             </a:fld>
             <a:endParaRPr lang="en-US"/>
           </a:p>
@@ -1341,7 +1341,7 @@
           <a:p>
             <a:fld id="{490E0566-2D9A-8349-94CE-22DF369B8F30}" type="datetime1">
               <a:rPr lang="en-US" smtClean="0"/>
-              <a:t>7/16/23</a:t>
+              <a:t>9/3/23</a:t>
             </a:fld>
             <a:endParaRPr lang="en-US"/>
           </a:p>
@@ -1542,7 +1542,7 @@
           <a:p>
             <a:fld id="{F4C6DED6-70D8-F640-A3FF-0DAAD5020B2E}" type="datetime1">
               <a:rPr lang="en-US" smtClean="0"/>
-              <a:t>7/16/23</a:t>
+              <a:t>9/3/23</a:t>
             </a:fld>
             <a:endParaRPr lang="en-US"/>
           </a:p>
@@ -1820,7 +1820,7 @@
           <a:p>
             <a:fld id="{315BBD7F-BEBD-8A4D-8771-D6866751C9CB}" type="datetime1">
               <a:rPr lang="en-US" smtClean="0"/>
-              <a:t>7/16/23</a:t>
+              <a:t>9/3/23</a:t>
             </a:fld>
             <a:endParaRPr lang="en-US"/>
           </a:p>
@@ -2088,7 +2088,7 @@
           <a:p>
             <a:fld id="{732B2173-0BAA-D644-B2E1-15CD564136DA}" type="datetime1">
               <a:rPr lang="en-US" smtClean="0"/>
-              <a:t>7/16/23</a:t>
+              <a:t>9/3/23</a:t>
             </a:fld>
             <a:endParaRPr lang="en-US"/>
           </a:p>
@@ -2503,7 +2503,7 @@
           <a:p>
             <a:fld id="{460457B8-75DE-F14E-B35F-7D7AA7D67DC5}" type="datetime1">
               <a:rPr lang="en-US" smtClean="0"/>
-              <a:t>7/16/23</a:t>
+              <a:t>9/3/23</a:t>
             </a:fld>
             <a:endParaRPr lang="en-US"/>
           </a:p>
@@ -2647,7 +2647,7 @@
           <a:p>
             <a:fld id="{99E91BB6-5CF1-E946-8756-B969CA4EAC90}" type="datetime1">
               <a:rPr lang="en-US" smtClean="0"/>
-              <a:t>7/16/23</a:t>
+              <a:t>9/3/23</a:t>
             </a:fld>
             <a:endParaRPr lang="en-US"/>
           </a:p>
@@ -2763,7 +2763,7 @@
           <a:p>
             <a:fld id="{D3592C8E-4E5B-8D4D-9A2C-ED2D4214E42D}" type="datetime1">
               <a:rPr lang="en-US" smtClean="0"/>
-              <a:t>7/16/23</a:t>
+              <a:t>9/3/23</a:t>
             </a:fld>
             <a:endParaRPr lang="en-US"/>
           </a:p>
@@ -3077,7 +3077,7 @@
           <a:p>
             <a:fld id="{A185CA14-CC43-E04C-A1B9-DA538B78C78B}" type="datetime1">
               <a:rPr lang="en-US" smtClean="0"/>
-              <a:t>7/16/23</a:t>
+              <a:t>9/3/23</a:t>
             </a:fld>
             <a:endParaRPr lang="en-US"/>
           </a:p>
@@ -3278,7 +3278,7 @@
           <a:p>
             <a:fld id="{F4C6DED6-70D8-F640-A3FF-0DAAD5020B2E}" type="datetime1">
               <a:rPr lang="en-US" smtClean="0"/>
-              <a:t>7/16/23</a:t>
+              <a:t>9/3/23</a:t>
             </a:fld>
             <a:endParaRPr lang="en-US"/>
           </a:p>
@@ -3569,7 +3569,7 @@
           <a:p>
             <a:fld id="{7BFD17D5-B327-1746-9545-80B79DBEEDDD}" type="datetime1">
               <a:rPr lang="en-US" smtClean="0"/>
-              <a:t>7/16/23</a:t>
+              <a:t>9/3/23</a:t>
             </a:fld>
             <a:endParaRPr lang="en-US"/>
           </a:p>
@@ -3770,7 +3770,7 @@
           <a:p>
             <a:fld id="{77D82A1C-DCCB-F942-B4C8-2616E50FC610}" type="datetime1">
               <a:rPr lang="en-US" smtClean="0"/>
-              <a:t>7/16/23</a:t>
+              <a:t>9/3/23</a:t>
             </a:fld>
             <a:endParaRPr lang="en-US"/>
           </a:p>
@@ -3981,7 +3981,7 @@
           <a:p>
             <a:fld id="{047ECBFF-73A1-A944-AFD4-F359C9557B10}" type="datetime1">
               <a:rPr lang="en-US" smtClean="0"/>
-              <a:t>7/16/23</a:t>
+              <a:t>9/3/23</a:t>
             </a:fld>
             <a:endParaRPr lang="en-US"/>
           </a:p>
@@ -4204,7 +4204,7 @@
           <a:p>
             <a:fld id="{490E0566-2D9A-8349-94CE-22DF369B8F30}" type="datetime1">
               <a:rPr lang="en-US" smtClean="0"/>
-              <a:t>7/16/23</a:t>
+              <a:t>9/3/23</a:t>
             </a:fld>
             <a:endParaRPr lang="en-US"/>
           </a:p>
@@ -4405,7 +4405,7 @@
           <a:p>
             <a:fld id="{F4C6DED6-70D8-F640-A3FF-0DAAD5020B2E}" type="datetime1">
               <a:rPr lang="en-US" smtClean="0"/>
-              <a:t>7/16/23</a:t>
+              <a:t>9/3/23</a:t>
             </a:fld>
             <a:endParaRPr lang="en-US"/>
           </a:p>
@@ -4683,7 +4683,7 @@
           <a:p>
             <a:fld id="{315BBD7F-BEBD-8A4D-8771-D6866751C9CB}" type="datetime1">
               <a:rPr lang="en-US" smtClean="0"/>
-              <a:t>7/16/23</a:t>
+              <a:t>9/3/23</a:t>
             </a:fld>
             <a:endParaRPr lang="en-US"/>
           </a:p>
@@ -4951,7 +4951,7 @@
           <a:p>
             <a:fld id="{732B2173-0BAA-D644-B2E1-15CD564136DA}" type="datetime1">
               <a:rPr lang="en-US" smtClean="0"/>
-              <a:t>7/16/23</a:t>
+              <a:t>9/3/23</a:t>
             </a:fld>
             <a:endParaRPr lang="en-US"/>
           </a:p>
@@ -5366,7 +5366,7 @@
           <a:p>
             <a:fld id="{460457B8-75DE-F14E-B35F-7D7AA7D67DC5}" type="datetime1">
               <a:rPr lang="en-US" smtClean="0"/>
-              <a:t>7/16/23</a:t>
+              <a:t>9/3/23</a:t>
             </a:fld>
             <a:endParaRPr lang="en-US"/>
           </a:p>
@@ -5510,7 +5510,7 @@
           <a:p>
             <a:fld id="{99E91BB6-5CF1-E946-8756-B969CA4EAC90}" type="datetime1">
               <a:rPr lang="en-US" smtClean="0"/>
-              <a:t>7/16/23</a:t>
+              <a:t>9/3/23</a:t>
             </a:fld>
             <a:endParaRPr lang="en-US"/>
           </a:p>
@@ -5626,7 +5626,7 @@
           <a:p>
             <a:fld id="{D3592C8E-4E5B-8D4D-9A2C-ED2D4214E42D}" type="datetime1">
               <a:rPr lang="en-US" smtClean="0"/>
-              <a:t>7/16/23</a:t>
+              <a:t>9/3/23</a:t>
             </a:fld>
             <a:endParaRPr lang="en-US"/>
           </a:p>
@@ -5904,7 +5904,7 @@
           <a:p>
             <a:fld id="{315BBD7F-BEBD-8A4D-8771-D6866751C9CB}" type="datetime1">
               <a:rPr lang="en-US" smtClean="0"/>
-              <a:t>7/16/23</a:t>
+              <a:t>9/3/23</a:t>
             </a:fld>
             <a:endParaRPr lang="en-US"/>
           </a:p>
@@ -6218,7 +6218,7 @@
           <a:p>
             <a:fld id="{A185CA14-CC43-E04C-A1B9-DA538B78C78B}" type="datetime1">
               <a:rPr lang="en-US" smtClean="0"/>
-              <a:t>7/16/23</a:t>
+              <a:t>9/3/23</a:t>
             </a:fld>
             <a:endParaRPr lang="en-US"/>
           </a:p>
@@ -6509,7 +6509,7 @@
           <a:p>
             <a:fld id="{7BFD17D5-B327-1746-9545-80B79DBEEDDD}" type="datetime1">
               <a:rPr lang="en-US" smtClean="0"/>
-              <a:t>7/16/23</a:t>
+              <a:t>9/3/23</a:t>
             </a:fld>
             <a:endParaRPr lang="en-US"/>
           </a:p>
@@ -6710,7 +6710,7 @@
           <a:p>
             <a:fld id="{77D82A1C-DCCB-F942-B4C8-2616E50FC610}" type="datetime1">
               <a:rPr lang="en-US" smtClean="0"/>
-              <a:t>7/16/23</a:t>
+              <a:t>9/3/23</a:t>
             </a:fld>
             <a:endParaRPr lang="en-US"/>
           </a:p>
@@ -6921,7 +6921,7 @@
           <a:p>
             <a:fld id="{047ECBFF-73A1-A944-AFD4-F359C9557B10}" type="datetime1">
               <a:rPr lang="en-US" smtClean="0"/>
-              <a:t>7/16/23</a:t>
+              <a:t>9/3/23</a:t>
             </a:fld>
             <a:endParaRPr lang="en-US"/>
           </a:p>
@@ -7189,7 +7189,7 @@
           <a:p>
             <a:fld id="{732B2173-0BAA-D644-B2E1-15CD564136DA}" type="datetime1">
               <a:rPr lang="en-US" smtClean="0"/>
-              <a:t>7/16/23</a:t>
+              <a:t>9/3/23</a:t>
             </a:fld>
             <a:endParaRPr lang="en-US"/>
           </a:p>
@@ -7604,7 +7604,7 @@
           <a:p>
             <a:fld id="{460457B8-75DE-F14E-B35F-7D7AA7D67DC5}" type="datetime1">
               <a:rPr lang="en-US" smtClean="0"/>
-              <a:t>7/16/23</a:t>
+              <a:t>9/3/23</a:t>
             </a:fld>
             <a:endParaRPr lang="en-US"/>
           </a:p>
@@ -7748,7 +7748,7 @@
           <a:p>
             <a:fld id="{99E91BB6-5CF1-E946-8756-B969CA4EAC90}" type="datetime1">
               <a:rPr lang="en-US" smtClean="0"/>
-              <a:t>7/16/23</a:t>
+              <a:t>9/3/23</a:t>
             </a:fld>
             <a:endParaRPr lang="en-US"/>
           </a:p>
@@ -7864,7 +7864,7 @@
           <a:p>
             <a:fld id="{D3592C8E-4E5B-8D4D-9A2C-ED2D4214E42D}" type="datetime1">
               <a:rPr lang="en-US" smtClean="0"/>
-              <a:t>7/16/23</a:t>
+              <a:t>9/3/23</a:t>
             </a:fld>
             <a:endParaRPr lang="en-US"/>
           </a:p>
@@ -8178,7 +8178,7 @@
           <a:p>
             <a:fld id="{A185CA14-CC43-E04C-A1B9-DA538B78C78B}" type="datetime1">
               <a:rPr lang="en-US" smtClean="0"/>
-              <a:t>7/16/23</a:t>
+              <a:t>9/3/23</a:t>
             </a:fld>
             <a:endParaRPr lang="en-US"/>
           </a:p>
@@ -8469,7 +8469,7 @@
           <a:p>
             <a:fld id="{7BFD17D5-B327-1746-9545-80B79DBEEDDD}" type="datetime1">
               <a:rPr lang="en-US" smtClean="0"/>
-              <a:t>7/16/23</a:t>
+              <a:t>9/3/23</a:t>
             </a:fld>
             <a:endParaRPr lang="en-US"/>
           </a:p>
@@ -8716,7 +8716,7 @@
           <a:p>
             <a:fld id="{0362EEAF-02AB-9644-9FA5-CC38EBED914C}" type="datetime1">
               <a:rPr lang="en-US" smtClean="0"/>
-              <a:t>7/16/23</a:t>
+              <a:t>9/3/23</a:t>
             </a:fld>
             <a:endParaRPr lang="en-US"/>
           </a:p>
@@ -9291,7 +9291,7 @@
           <a:p>
             <a:fld id="{0362EEAF-02AB-9644-9FA5-CC38EBED914C}" type="datetime1">
               <a:rPr lang="en-US" smtClean="0"/>
-              <a:t>7/16/23</a:t>
+              <a:t>9/3/23</a:t>
             </a:fld>
             <a:endParaRPr lang="en-US"/>
           </a:p>
@@ -9866,7 +9866,7 @@
           <a:p>
             <a:fld id="{0362EEAF-02AB-9644-9FA5-CC38EBED914C}" type="datetime1">
               <a:rPr lang="en-US" smtClean="0"/>
-              <a:t>7/16/23</a:t>
+              <a:t>9/3/23</a:t>
             </a:fld>
             <a:endParaRPr lang="en-US"/>
           </a:p>
@@ -10439,7 +10439,7 @@
         </p:nvSpPr>
         <p:spPr>
           <a:xfrm>
-            <a:off x="1981200" y="2590801"/>
+            <a:off x="1807029" y="1992087"/>
             <a:ext cx="8305800" cy="3681984"/>
           </a:xfrm>
         </p:spPr>
@@ -10453,6 +10453,14 @@
                 <a:latin typeface="Calibri" panose="020F0502020204030204" pitchFamily="34" charset="0"/>
               </a:rPr>
               <a:t>What is Git?</a:t>
+            </a:r>
+          </a:p>
+          <a:p>
+            <a:r>
+              <a:rPr lang="en-US" altLang="en-US" dirty="0">
+                <a:latin typeface="Calibri" panose="020F0502020204030204" pitchFamily="34" charset="0"/>
+              </a:rPr>
+              <a:t>What is GitHub?</a:t>
             </a:r>
           </a:p>
           <a:p>
@@ -11647,6 +11655,76 @@
           </a:prstGeom>
         </p:spPr>
       </p:pic>
+      <p:sp>
+        <p:nvSpPr>
+          <p:cNvPr id="3" name="TextBox 2">
+            <a:extLst>
+              <a:ext uri="{FF2B5EF4-FFF2-40B4-BE49-F238E27FC236}">
+                <a16:creationId xmlns:a16="http://schemas.microsoft.com/office/drawing/2014/main" id="{12E79829-62DD-2D4F-FA26-52A606E74DC0}"/>
+              </a:ext>
+            </a:extLst>
+          </p:cNvPr>
+          <p:cNvSpPr txBox="1"/>
+          <p:nvPr/>
+        </p:nvSpPr>
+        <p:spPr>
+          <a:xfrm>
+            <a:off x="4995784" y="3313910"/>
+            <a:ext cx="1376659" cy="369332"/>
+          </a:xfrm>
+          <a:prstGeom prst="rect">
+            <a:avLst/>
+          </a:prstGeom>
+          <a:noFill/>
+        </p:spPr>
+        <p:txBody>
+          <a:bodyPr wrap="none" rtlCol="0">
+            <a:spAutoFit/>
+          </a:bodyPr>
+          <a:lstStyle/>
+          <a:p>
+            <a:r>
+              <a:rPr lang="en-US" dirty="0"/>
+              <a:t>Google drive</a:t>
+            </a:r>
+          </a:p>
+        </p:txBody>
+      </p:sp>
+      <p:sp>
+        <p:nvSpPr>
+          <p:cNvPr id="4" name="TextBox 3">
+            <a:extLst>
+              <a:ext uri="{FF2B5EF4-FFF2-40B4-BE49-F238E27FC236}">
+                <a16:creationId xmlns:a16="http://schemas.microsoft.com/office/drawing/2014/main" id="{F3625559-D4A0-BF79-DBBA-63415FC31306}"/>
+              </a:ext>
+            </a:extLst>
+          </p:cNvPr>
+          <p:cNvSpPr txBox="1"/>
+          <p:nvPr/>
+        </p:nvSpPr>
+        <p:spPr>
+          <a:xfrm>
+            <a:off x="5264508" y="5779818"/>
+            <a:ext cx="848309" cy="369332"/>
+          </a:xfrm>
+          <a:prstGeom prst="rect">
+            <a:avLst/>
+          </a:prstGeom>
+          <a:noFill/>
+        </p:spPr>
+        <p:txBody>
+          <a:bodyPr wrap="none" rtlCol="0">
+            <a:spAutoFit/>
+          </a:bodyPr>
+          <a:lstStyle/>
+          <a:p>
+            <a:r>
+              <a:rPr lang="en-US" dirty="0"/>
+              <a:t>GitHub</a:t>
+            </a:r>
+          </a:p>
+        </p:txBody>
+      </p:sp>
     </p:spTree>
     <p:extLst>
       <p:ext uri="{BB962C8B-B14F-4D97-AF65-F5344CB8AC3E}">
@@ -13074,8 +13152,8 @@
         </p:blipFill>
         <p:spPr>
           <a:xfrm>
-            <a:off x="5885913" y="4308675"/>
-            <a:ext cx="760616" cy="760616"/>
+            <a:off x="5885913" y="4373201"/>
+            <a:ext cx="663432" cy="663432"/>
           </a:xfrm>
           <a:prstGeom prst="rect">
             <a:avLst/>
@@ -13096,8 +13174,8 @@
         </p:nvGrpSpPr>
         <p:grpSpPr>
           <a:xfrm>
-            <a:off x="5665764" y="4121944"/>
-            <a:ext cx="370478" cy="914400"/>
+            <a:off x="5703420" y="4222446"/>
+            <a:ext cx="332822" cy="813897"/>
             <a:chOff x="2532279" y="4932362"/>
             <a:chExt cx="448270" cy="676275"/>
           </a:xfrm>
@@ -13574,7 +13652,7 @@
         </p:blipFill>
         <p:spPr>
           <a:xfrm>
-            <a:off x="7620548" y="4882165"/>
+            <a:off x="7816357" y="4870937"/>
             <a:ext cx="700826" cy="700826"/>
           </a:xfrm>
           <a:prstGeom prst="rect">
@@ -13584,10 +13662,222 @@
       </p:pic>
       <p:pic>
         <p:nvPicPr>
-          <p:cNvPr id="22" name="Graphic 21" descr="Box trolley with solid fill">
-            <a:extLst>
-              <a:ext uri="{FF2B5EF4-FFF2-40B4-BE49-F238E27FC236}">
-                <a16:creationId xmlns:a16="http://schemas.microsoft.com/office/drawing/2014/main" id="{A14D1A83-8B1F-868B-CFCE-20E45976C6B2}"/>
+          <p:cNvPr id="26" name="Graphic 25" descr="Arrow Right with solid fill">
+            <a:extLst>
+              <a:ext uri="{FF2B5EF4-FFF2-40B4-BE49-F238E27FC236}">
+                <a16:creationId xmlns:a16="http://schemas.microsoft.com/office/drawing/2014/main" id="{64D75DCC-7D78-6A73-A14F-D9A580D937A5}"/>
+              </a:ext>
+            </a:extLst>
+          </p:cNvPr>
+          <p:cNvPicPr>
+            <a:picLocks noChangeAspect="1"/>
+          </p:cNvPicPr>
+          <p:nvPr/>
+        </p:nvPicPr>
+        <p:blipFill>
+          <a:blip r:embed="rId9">
+            <a:extLst>
+              <a:ext uri="{96DAC541-7B7A-43D3-8B79-37D633B846F1}">
+                <asvg:svgBlip xmlns:asvg="http://schemas.microsoft.com/office/drawing/2016/SVG/main" r:embed="rId10"/>
+              </a:ext>
+            </a:extLst>
+          </a:blip>
+          <a:stretch>
+            <a:fillRect/>
+          </a:stretch>
+        </p:blipFill>
+        <p:spPr>
+          <a:xfrm rot="10800000">
+            <a:off x="4869816" y="5077618"/>
+            <a:ext cx="2260236" cy="659688"/>
+          </a:xfrm>
+          <a:prstGeom prst="rect">
+            <a:avLst/>
+          </a:prstGeom>
+        </p:spPr>
+      </p:pic>
+      <p:pic>
+        <p:nvPicPr>
+          <p:cNvPr id="27" name="Graphic 26" descr="Arrow Right with solid fill">
+            <a:extLst>
+              <a:ext uri="{FF2B5EF4-FFF2-40B4-BE49-F238E27FC236}">
+                <a16:creationId xmlns:a16="http://schemas.microsoft.com/office/drawing/2014/main" id="{22E5DA0E-67B0-2A92-BFD5-639C0DA92B2A}"/>
+              </a:ext>
+            </a:extLst>
+          </p:cNvPr>
+          <p:cNvPicPr>
+            <a:picLocks noChangeAspect="1"/>
+          </p:cNvPicPr>
+          <p:nvPr/>
+        </p:nvPicPr>
+        <p:blipFill>
+          <a:blip r:embed="rId9">
+            <a:extLst>
+              <a:ext uri="{96DAC541-7B7A-43D3-8B79-37D633B846F1}">
+                <asvg:svgBlip xmlns:asvg="http://schemas.microsoft.com/office/drawing/2016/SVG/main" r:embed="rId10"/>
+              </a:ext>
+            </a:extLst>
+          </a:blip>
+          <a:stretch>
+            <a:fillRect/>
+          </a:stretch>
+        </p:blipFill>
+        <p:spPr>
+          <a:xfrm>
+            <a:off x="4860036" y="4822871"/>
+            <a:ext cx="2397131" cy="659688"/>
+          </a:xfrm>
+          <a:prstGeom prst="rect">
+            <a:avLst/>
+          </a:prstGeom>
+        </p:spPr>
+      </p:pic>
+      <p:sp>
+        <p:nvSpPr>
+          <p:cNvPr id="3" name="TextBox 2">
+            <a:extLst>
+              <a:ext uri="{FF2B5EF4-FFF2-40B4-BE49-F238E27FC236}">
+                <a16:creationId xmlns:a16="http://schemas.microsoft.com/office/drawing/2014/main" id="{5E0524B7-CAC7-92BE-9DA3-F11AF430D335}"/>
+              </a:ext>
+            </a:extLst>
+          </p:cNvPr>
+          <p:cNvSpPr txBox="1"/>
+          <p:nvPr/>
+        </p:nvSpPr>
+        <p:spPr>
+          <a:xfrm>
+            <a:off x="6493868" y="4414746"/>
+            <a:ext cx="537327" cy="307777"/>
+          </a:xfrm>
+          <a:prstGeom prst="rect">
+            <a:avLst/>
+          </a:prstGeom>
+          <a:noFill/>
+        </p:spPr>
+        <p:txBody>
+          <a:bodyPr wrap="none" rtlCol="0">
+            <a:spAutoFit/>
+          </a:bodyPr>
+          <a:lstStyle/>
+          <a:p>
+            <a:r>
+              <a:rPr lang="en-US" sz="1400" dirty="0"/>
+              <a:t>Push</a:t>
+            </a:r>
+          </a:p>
+        </p:txBody>
+      </p:sp>
+      <p:sp>
+        <p:nvSpPr>
+          <p:cNvPr id="6" name="TextBox 5">
+            <a:extLst>
+              <a:ext uri="{FF2B5EF4-FFF2-40B4-BE49-F238E27FC236}">
+                <a16:creationId xmlns:a16="http://schemas.microsoft.com/office/drawing/2014/main" id="{850E8C61-EEF1-FD66-D0A7-251B9B11E245}"/>
+              </a:ext>
+            </a:extLst>
+          </p:cNvPr>
+          <p:cNvSpPr txBox="1"/>
+          <p:nvPr/>
+        </p:nvSpPr>
+        <p:spPr>
+          <a:xfrm>
+            <a:off x="5106833" y="5777121"/>
+            <a:ext cx="455574" cy="307777"/>
+          </a:xfrm>
+          <a:prstGeom prst="rect">
+            <a:avLst/>
+          </a:prstGeom>
+          <a:noFill/>
+        </p:spPr>
+        <p:txBody>
+          <a:bodyPr wrap="square" rtlCol="0">
+            <a:spAutoFit/>
+          </a:bodyPr>
+          <a:lstStyle/>
+          <a:p>
+            <a:r>
+              <a:rPr lang="en-US" sz="1400" dirty="0"/>
+              <a:t>Pull</a:t>
+            </a:r>
+          </a:p>
+        </p:txBody>
+      </p:sp>
+      <p:sp>
+        <p:nvSpPr>
+          <p:cNvPr id="7" name="TextBox 6">
+            <a:extLst>
+              <a:ext uri="{FF2B5EF4-FFF2-40B4-BE49-F238E27FC236}">
+                <a16:creationId xmlns:a16="http://schemas.microsoft.com/office/drawing/2014/main" id="{6C188EA3-E30B-DFE7-2E49-CC62B2ABEA33}"/>
+              </a:ext>
+            </a:extLst>
+          </p:cNvPr>
+          <p:cNvSpPr txBox="1"/>
+          <p:nvPr/>
+        </p:nvSpPr>
+        <p:spPr>
+          <a:xfrm>
+            <a:off x="3709059" y="5624600"/>
+            <a:ext cx="663643" cy="369332"/>
+          </a:xfrm>
+          <a:prstGeom prst="rect">
+            <a:avLst/>
+          </a:prstGeom>
+          <a:noFill/>
+        </p:spPr>
+        <p:txBody>
+          <a:bodyPr wrap="none" rtlCol="0">
+            <a:spAutoFit/>
+          </a:bodyPr>
+          <a:lstStyle/>
+          <a:p>
+            <a:r>
+              <a:rPr lang="en-US" dirty="0"/>
+              <a:t>Local</a:t>
+            </a:r>
+          </a:p>
+        </p:txBody>
+      </p:sp>
+      <p:sp>
+        <p:nvSpPr>
+          <p:cNvPr id="8" name="TextBox 7">
+            <a:extLst>
+              <a:ext uri="{FF2B5EF4-FFF2-40B4-BE49-F238E27FC236}">
+                <a16:creationId xmlns:a16="http://schemas.microsoft.com/office/drawing/2014/main" id="{8856A621-C26F-0327-F112-9C0DDDE0AFF6}"/>
+              </a:ext>
+            </a:extLst>
+          </p:cNvPr>
+          <p:cNvSpPr txBox="1"/>
+          <p:nvPr/>
+        </p:nvSpPr>
+        <p:spPr>
+          <a:xfrm>
+            <a:off x="7493433" y="5566149"/>
+            <a:ext cx="1518044" cy="369332"/>
+          </a:xfrm>
+          <a:prstGeom prst="rect">
+            <a:avLst/>
+          </a:prstGeom>
+          <a:noFill/>
+        </p:spPr>
+        <p:txBody>
+          <a:bodyPr wrap="none" rtlCol="0">
+            <a:spAutoFit/>
+          </a:bodyPr>
+          <a:lstStyle/>
+          <a:p>
+            <a:r>
+              <a:rPr lang="en-US" dirty="0"/>
+              <a:t>Git Repository</a:t>
+            </a:r>
+          </a:p>
+        </p:txBody>
+      </p:sp>
+      <p:pic>
+        <p:nvPicPr>
+          <p:cNvPr id="9" name="Graphic 8" descr="Box trolley with solid fill">
+            <a:extLst>
+              <a:ext uri="{FF2B5EF4-FFF2-40B4-BE49-F238E27FC236}">
+                <a16:creationId xmlns:a16="http://schemas.microsoft.com/office/drawing/2014/main" id="{647655C1-089E-BB7C-AE10-560AD293A277}"/>
               </a:ext>
             </a:extLst>
           </p:cNvPr>
@@ -13610,8 +13900,8 @@
         </p:blipFill>
         <p:spPr>
           <a:xfrm flipH="1">
-            <a:off x="5424487" y="5762914"/>
-            <a:ext cx="674355" cy="760616"/>
+            <a:off x="5534762" y="5662403"/>
+            <a:ext cx="617572" cy="663432"/>
           </a:xfrm>
           <a:prstGeom prst="rect">
             <a:avLst/>
@@ -13620,10 +13910,10 @@
       </p:pic>
       <p:grpSp>
         <p:nvGrpSpPr>
-          <p:cNvPr id="23" name="Graphic 6" descr="Man changing baby with solid fill">
-            <a:extLst>
-              <a:ext uri="{FF2B5EF4-FFF2-40B4-BE49-F238E27FC236}">
-                <a16:creationId xmlns:a16="http://schemas.microsoft.com/office/drawing/2014/main" id="{18056555-7CC6-B55B-4903-FD600ECBA58D}"/>
+          <p:cNvPr id="11" name="Graphic 6" descr="Man changing baby with solid fill">
+            <a:extLst>
+              <a:ext uri="{FF2B5EF4-FFF2-40B4-BE49-F238E27FC236}">
+                <a16:creationId xmlns:a16="http://schemas.microsoft.com/office/drawing/2014/main" id="{B218B51C-32B6-AFF9-BBAB-4908AA0C1192}"/>
               </a:ext>
             </a:extLst>
           </p:cNvPr>
@@ -13632,8 +13922,8 @@
         </p:nvGrpSpPr>
         <p:grpSpPr>
           <a:xfrm flipH="1">
-            <a:off x="6007643" y="5582991"/>
-            <a:ext cx="363371" cy="914400"/>
+            <a:off x="6023347" y="5537240"/>
+            <a:ext cx="268978" cy="755446"/>
             <a:chOff x="2532279" y="4932362"/>
             <a:chExt cx="448270" cy="676275"/>
           </a:xfrm>
@@ -13643,10 +13933,10 @@
         </p:grpSpPr>
         <p:sp>
           <p:nvSpPr>
-            <p:cNvPr id="24" name="Freeform 23">
+            <p:cNvPr id="13" name="Freeform 12">
               <a:extLst>
                 <a:ext uri="{FF2B5EF4-FFF2-40B4-BE49-F238E27FC236}">
-                  <a16:creationId xmlns:a16="http://schemas.microsoft.com/office/drawing/2014/main" id="{E16BD2B0-0906-2F8D-4399-B59C14AD512F}"/>
+                  <a16:creationId xmlns:a16="http://schemas.microsoft.com/office/drawing/2014/main" id="{5173204D-44AE-9E00-E0AF-0BC9BCCB3366}"/>
                 </a:ext>
               </a:extLst>
             </p:cNvPr>
@@ -13739,10 +14029,10 @@
         </p:sp>
         <p:sp>
           <p:nvSpPr>
-            <p:cNvPr id="25" name="Freeform 24">
+            <p:cNvPr id="14" name="Freeform 13">
               <a:extLst>
                 <a:ext uri="{FF2B5EF4-FFF2-40B4-BE49-F238E27FC236}">
-                  <a16:creationId xmlns:a16="http://schemas.microsoft.com/office/drawing/2014/main" id="{870811CD-BD2D-CCBC-79F9-09BEAC54D5C7}"/>
+                  <a16:creationId xmlns:a16="http://schemas.microsoft.com/office/drawing/2014/main" id="{B98796A0-4654-A32A-CDF0-C3499DCB2056}"/>
                 </a:ext>
               </a:extLst>
             </p:cNvPr>
@@ -14046,148 +14336,6 @@
           </p:txBody>
         </p:sp>
       </p:grpSp>
-      <p:pic>
-        <p:nvPicPr>
-          <p:cNvPr id="26" name="Graphic 25" descr="Arrow Right with solid fill">
-            <a:extLst>
-              <a:ext uri="{FF2B5EF4-FFF2-40B4-BE49-F238E27FC236}">
-                <a16:creationId xmlns:a16="http://schemas.microsoft.com/office/drawing/2014/main" id="{64D75DCC-7D78-6A73-A14F-D9A580D937A5}"/>
-              </a:ext>
-            </a:extLst>
-          </p:cNvPr>
-          <p:cNvPicPr>
-            <a:picLocks noChangeAspect="1"/>
-          </p:cNvPicPr>
-          <p:nvPr/>
-        </p:nvPicPr>
-        <p:blipFill>
-          <a:blip r:embed="rId9">
-            <a:extLst>
-              <a:ext uri="{96DAC541-7B7A-43D3-8B79-37D633B846F1}">
-                <asvg:svgBlip xmlns:asvg="http://schemas.microsoft.com/office/drawing/2016/SVG/main" r:embed="rId10"/>
-              </a:ext>
-            </a:extLst>
-          </a:blip>
-          <a:stretch>
-            <a:fillRect/>
-          </a:stretch>
-        </p:blipFill>
-        <p:spPr>
-          <a:xfrm rot="10800000">
-            <a:off x="4869816" y="5077618"/>
-            <a:ext cx="2260236" cy="659688"/>
-          </a:xfrm>
-          <a:prstGeom prst="rect">
-            <a:avLst/>
-          </a:prstGeom>
-        </p:spPr>
-      </p:pic>
-      <p:pic>
-        <p:nvPicPr>
-          <p:cNvPr id="27" name="Graphic 26" descr="Arrow Right with solid fill">
-            <a:extLst>
-              <a:ext uri="{FF2B5EF4-FFF2-40B4-BE49-F238E27FC236}">
-                <a16:creationId xmlns:a16="http://schemas.microsoft.com/office/drawing/2014/main" id="{22E5DA0E-67B0-2A92-BFD5-639C0DA92B2A}"/>
-              </a:ext>
-            </a:extLst>
-          </p:cNvPr>
-          <p:cNvPicPr>
-            <a:picLocks noChangeAspect="1"/>
-          </p:cNvPicPr>
-          <p:nvPr/>
-        </p:nvPicPr>
-        <p:blipFill>
-          <a:blip r:embed="rId9">
-            <a:extLst>
-              <a:ext uri="{96DAC541-7B7A-43D3-8B79-37D633B846F1}">
-                <asvg:svgBlip xmlns:asvg="http://schemas.microsoft.com/office/drawing/2016/SVG/main" r:embed="rId10"/>
-              </a:ext>
-            </a:extLst>
-          </a:blip>
-          <a:stretch>
-            <a:fillRect/>
-          </a:stretch>
-        </p:blipFill>
-        <p:spPr>
-          <a:xfrm>
-            <a:off x="4860036" y="4822871"/>
-            <a:ext cx="2397131" cy="659688"/>
-          </a:xfrm>
-          <a:prstGeom prst="rect">
-            <a:avLst/>
-          </a:prstGeom>
-        </p:spPr>
-      </p:pic>
-      <p:sp>
-        <p:nvSpPr>
-          <p:cNvPr id="3" name="TextBox 2">
-            <a:extLst>
-              <a:ext uri="{FF2B5EF4-FFF2-40B4-BE49-F238E27FC236}">
-                <a16:creationId xmlns:a16="http://schemas.microsoft.com/office/drawing/2014/main" id="{5E0524B7-CAC7-92BE-9DA3-F11AF430D335}"/>
-              </a:ext>
-            </a:extLst>
-          </p:cNvPr>
-          <p:cNvSpPr txBox="1"/>
-          <p:nvPr/>
-        </p:nvSpPr>
-        <p:spPr>
-          <a:xfrm>
-            <a:off x="5012308" y="4502290"/>
-            <a:ext cx="537327" cy="307777"/>
-          </a:xfrm>
-          <a:prstGeom prst="rect">
-            <a:avLst/>
-          </a:prstGeom>
-          <a:noFill/>
-        </p:spPr>
-        <p:txBody>
-          <a:bodyPr wrap="none" rtlCol="0">
-            <a:spAutoFit/>
-          </a:bodyPr>
-          <a:lstStyle/>
-          <a:p>
-            <a:r>
-              <a:rPr lang="en-US" sz="1400" dirty="0"/>
-              <a:t>Push</a:t>
-            </a:r>
-          </a:p>
-        </p:txBody>
-      </p:sp>
-      <p:sp>
-        <p:nvSpPr>
-          <p:cNvPr id="6" name="TextBox 5">
-            <a:extLst>
-              <a:ext uri="{FF2B5EF4-FFF2-40B4-BE49-F238E27FC236}">
-                <a16:creationId xmlns:a16="http://schemas.microsoft.com/office/drawing/2014/main" id="{850E8C61-EEF1-FD66-D0A7-251B9B11E245}"/>
-              </a:ext>
-            </a:extLst>
-          </p:cNvPr>
-          <p:cNvSpPr txBox="1"/>
-          <p:nvPr/>
-        </p:nvSpPr>
-        <p:spPr>
-          <a:xfrm>
-            <a:off x="6505352" y="5823535"/>
-            <a:ext cx="455574" cy="307777"/>
-          </a:xfrm>
-          <a:prstGeom prst="rect">
-            <a:avLst/>
-          </a:prstGeom>
-          <a:noFill/>
-        </p:spPr>
-        <p:txBody>
-          <a:bodyPr wrap="none" rtlCol="0">
-            <a:spAutoFit/>
-          </a:bodyPr>
-          <a:lstStyle/>
-          <a:p>
-            <a:r>
-              <a:rPr lang="en-US" sz="1400" dirty="0"/>
-              <a:t>Pull</a:t>
-            </a:r>
-          </a:p>
-        </p:txBody>
-      </p:sp>
     </p:spTree>
     <p:extLst>
       <p:ext uri="{BB962C8B-B14F-4D97-AF65-F5344CB8AC3E}">
